--- a/IPL Score Predictor/ipl_score_pred.pptx
+++ b/IPL Score Predictor/ipl_score_pred.pptx
@@ -70,7 +70,7 @@
       <p:boldItalic r:id="rId44"/>
     </p:embeddedFont>
     <p:embeddedFont>
-      <p:font typeface="DM Sans Bold" charset="0"/>
+      <p:font typeface="DM Sans Bold"/>
       <p:regular r:id="rId45"/>
     </p:embeddedFont>
   </p:embeddedFontLst>
@@ -270,7 +270,7 @@
           <a:p>
             <a:fld id="{CD2DA497-65E0-4937-A1F5-504BA211D34F}" type="datetimeFigureOut">
               <a:rPr lang="en-IN" smtClean="0"/>
-              <a:t>22-04-2024</a:t>
+              <a:t>13-11-2024</a:t>
             </a:fld>
             <a:endParaRPr lang="en-IN"/>
           </a:p>
@@ -1054,7 +1054,7 @@
             <a:fld id="{1D8BD707-D9CF-40AE-B4C6-C98DA3205C09}" type="datetimeFigureOut">
               <a:rPr lang="en-US" smtClean="0"/>
               <a:pPr/>
-              <a:t>4/22/2024</a:t>
+              <a:t>11/13/2024</a:t>
             </a:fld>
             <a:endParaRPr lang="en-US"/>
           </a:p>
@@ -1222,7 +1222,7 @@
             <a:fld id="{1D8BD707-D9CF-40AE-B4C6-C98DA3205C09}" type="datetimeFigureOut">
               <a:rPr lang="en-US" smtClean="0"/>
               <a:pPr/>
-              <a:t>4/22/2024</a:t>
+              <a:t>11/13/2024</a:t>
             </a:fld>
             <a:endParaRPr lang="en-US"/>
           </a:p>
@@ -1400,7 +1400,7 @@
             <a:fld id="{1D8BD707-D9CF-40AE-B4C6-C98DA3205C09}" type="datetimeFigureOut">
               <a:rPr lang="en-US" smtClean="0"/>
               <a:pPr/>
-              <a:t>4/22/2024</a:t>
+              <a:t>11/13/2024</a:t>
             </a:fld>
             <a:endParaRPr lang="en-US"/>
           </a:p>
@@ -1568,7 +1568,7 @@
             <a:fld id="{1D8BD707-D9CF-40AE-B4C6-C98DA3205C09}" type="datetimeFigureOut">
               <a:rPr lang="en-US" smtClean="0"/>
               <a:pPr/>
-              <a:t>4/22/2024</a:t>
+              <a:t>11/13/2024</a:t>
             </a:fld>
             <a:endParaRPr lang="en-US"/>
           </a:p>
@@ -1813,7 +1813,7 @@
             <a:fld id="{1D8BD707-D9CF-40AE-B4C6-C98DA3205C09}" type="datetimeFigureOut">
               <a:rPr lang="en-US" smtClean="0"/>
               <a:pPr/>
-              <a:t>4/22/2024</a:t>
+              <a:t>11/13/2024</a:t>
             </a:fld>
             <a:endParaRPr lang="en-US"/>
           </a:p>
@@ -2098,7 +2098,7 @@
             <a:fld id="{1D8BD707-D9CF-40AE-B4C6-C98DA3205C09}" type="datetimeFigureOut">
               <a:rPr lang="en-US" smtClean="0"/>
               <a:pPr/>
-              <a:t>4/22/2024</a:t>
+              <a:t>11/13/2024</a:t>
             </a:fld>
             <a:endParaRPr lang="en-US"/>
           </a:p>
@@ -2517,7 +2517,7 @@
             <a:fld id="{1D8BD707-D9CF-40AE-B4C6-C98DA3205C09}" type="datetimeFigureOut">
               <a:rPr lang="en-US" smtClean="0"/>
               <a:pPr/>
-              <a:t>4/22/2024</a:t>
+              <a:t>11/13/2024</a:t>
             </a:fld>
             <a:endParaRPr lang="en-US"/>
           </a:p>
@@ -2634,7 +2634,7 @@
             <a:fld id="{1D8BD707-D9CF-40AE-B4C6-C98DA3205C09}" type="datetimeFigureOut">
               <a:rPr lang="en-US" smtClean="0"/>
               <a:pPr/>
-              <a:t>4/22/2024</a:t>
+              <a:t>11/13/2024</a:t>
             </a:fld>
             <a:endParaRPr lang="en-US"/>
           </a:p>
@@ -2729,7 +2729,7 @@
             <a:fld id="{1D8BD707-D9CF-40AE-B4C6-C98DA3205C09}" type="datetimeFigureOut">
               <a:rPr lang="en-US" smtClean="0"/>
               <a:pPr/>
-              <a:t>4/22/2024</a:t>
+              <a:t>11/13/2024</a:t>
             </a:fld>
             <a:endParaRPr lang="en-US"/>
           </a:p>
@@ -3004,7 +3004,7 @@
             <a:fld id="{1D8BD707-D9CF-40AE-B4C6-C98DA3205C09}" type="datetimeFigureOut">
               <a:rPr lang="en-US" smtClean="0"/>
               <a:pPr/>
-              <a:t>4/22/2024</a:t>
+              <a:t>11/13/2024</a:t>
             </a:fld>
             <a:endParaRPr lang="en-US"/>
           </a:p>
@@ -3256,7 +3256,7 @@
             <a:fld id="{1D8BD707-D9CF-40AE-B4C6-C98DA3205C09}" type="datetimeFigureOut">
               <a:rPr lang="en-US" smtClean="0"/>
               <a:pPr/>
-              <a:t>4/22/2024</a:t>
+              <a:t>11/13/2024</a:t>
             </a:fld>
             <a:endParaRPr lang="en-US"/>
           </a:p>
@@ -3467,7 +3467,7 @@
             <a:fld id="{1D8BD707-D9CF-40AE-B4C6-C98DA3205C09}" type="datetimeFigureOut">
               <a:rPr lang="en-US" smtClean="0"/>
               <a:pPr/>
-              <a:t>4/22/2024</a:t>
+              <a:t>11/13/2024</a:t>
             </a:fld>
             <a:endParaRPr lang="en-US"/>
           </a:p>
@@ -3851,7 +3851,7 @@
         </p:nvSpPr>
         <p:spPr>
           <a:xfrm rot="-5400000">
-            <a:off x="3980055" y="-4023890"/>
+            <a:off x="4000500" y="-4038600"/>
             <a:ext cx="10287000" cy="18288000"/>
           </a:xfrm>
           <a:custGeom>
@@ -4687,8 +4687,8 @@
         </p:nvSpPr>
         <p:spPr>
           <a:xfrm>
-            <a:off x="1917732" y="2495400"/>
-            <a:ext cx="14217370" cy="1649682"/>
+            <a:off x="931993" y="1698216"/>
+            <a:ext cx="14217370" cy="3214213"/>
           </a:xfrm>
           <a:prstGeom prst="rect">
             <a:avLst/>
@@ -4712,8 +4712,32 @@
                 </a:solidFill>
                 <a:latin typeface="DM Sans Bold"/>
               </a:rPr>
-              <a:t>Machine Learning</a:t>
+              <a:t>Method </a:t>
             </a:r>
+            <a:r>
+              <a:rPr lang="en-US" sz="5000" dirty="0">
+                <a:solidFill>
+                  <a:srgbClr val="000000"/>
+                </a:solidFill>
+                <a:latin typeface="DM Sans Bold"/>
+              </a:rPr>
+              <a:t>of</a:t>
+            </a:r>
+            <a:r>
+              <a:rPr lang="en-US" sz="12998" dirty="0">
+                <a:solidFill>
+                  <a:srgbClr val="000000"/>
+                </a:solidFill>
+                <a:latin typeface="DM Sans Bold"/>
+              </a:rPr>
+              <a:t> Data Analysis</a:t>
+            </a:r>
+            <a:endParaRPr lang="en-US" sz="1500" dirty="0">
+              <a:solidFill>
+                <a:srgbClr val="000000"/>
+              </a:solidFill>
+              <a:latin typeface="DM Sans Bold"/>
+            </a:endParaRPr>
           </a:p>
         </p:txBody>
       </p:sp>
@@ -4725,7 +4749,7 @@
         </p:nvSpPr>
         <p:spPr>
           <a:xfrm>
-            <a:off x="3864059" y="4974286"/>
+            <a:off x="2809741" y="5767198"/>
             <a:ext cx="9443152" cy="624723"/>
           </a:xfrm>
           <a:prstGeom prst="rect">
@@ -4860,8 +4884,8 @@
         </p:nvSpPr>
         <p:spPr>
           <a:xfrm>
-            <a:off x="10372877" y="7195957"/>
-            <a:ext cx="8981923" cy="1147943"/>
+            <a:off x="11430000" y="8016781"/>
+            <a:ext cx="8981923" cy="551433"/>
           </a:xfrm>
           <a:prstGeom prst="rect">
             <a:avLst/>
@@ -4885,41 +4909,7 @@
                 </a:solidFill>
                 <a:latin typeface="DM Sans Bold"/>
               </a:rPr>
-              <a:t>Rohit Gupta (2K22/SE/142)</a:t>
-            </a:r>
-          </a:p>
-          <a:p>
-            <a:pPr algn="just">
-              <a:lnSpc>
-                <a:spcPts val="4381"/>
-              </a:lnSpc>
-            </a:pPr>
-            <a:r>
-              <a:rPr lang="en-US" sz="3500" spc="-87" dirty="0">
-                <a:solidFill>
-                  <a:srgbClr val="000000"/>
-                </a:solidFill>
-                <a:latin typeface="DM Sans Bold"/>
-              </a:rPr>
-              <a:t>Rohit </a:t>
-            </a:r>
-            <a:r>
-              <a:rPr lang="en-US" sz="3500" spc="-87" dirty="0" err="1">
-                <a:solidFill>
-                  <a:srgbClr val="000000"/>
-                </a:solidFill>
-                <a:latin typeface="DM Sans Bold"/>
-              </a:rPr>
-              <a:t>Kachhap</a:t>
-            </a:r>
-            <a:r>
-              <a:rPr lang="en-US" sz="3500" spc="-87" dirty="0">
-                <a:solidFill>
-                  <a:srgbClr val="000000"/>
-                </a:solidFill>
-                <a:latin typeface="DM Sans Bold"/>
-              </a:rPr>
-              <a:t> (2K22/SE/143) </a:t>
+              <a:t>Rohit Gupta (2K22/SE/142) </a:t>
             </a:r>
           </a:p>
         </p:txBody>
@@ -4938,8 +4928,8 @@
         </p:nvSpPr>
         <p:spPr>
           <a:xfrm>
-            <a:off x="15214776" y="4305300"/>
-            <a:ext cx="4292424" cy="553998"/>
+            <a:off x="12686214" y="3626646"/>
+            <a:ext cx="4521024" cy="861774"/>
           </a:xfrm>
           <a:prstGeom prst="rect">
             <a:avLst/>
@@ -4953,7 +4943,7 @@
           <a:lstStyle/>
           <a:p>
             <a:r>
-              <a:rPr lang="en-IN" sz="3000" b="1" dirty="0">
+              <a:rPr lang="en-IN" sz="5000" b="1" dirty="0">
                 <a:effectLst>
                   <a:outerShdw blurRad="38100" dist="38100" dir="2700000" algn="tl">
                     <a:srgbClr val="000000">
@@ -4963,33 +4953,7 @@
                 </a:effectLst>
                 <a:latin typeface="DM Sans" pitchFamily="2" charset="0"/>
               </a:rPr>
-              <a:t>SE -</a:t>
-            </a:r>
-            <a:r>
-              <a:rPr lang="en-IN" sz="3000" b="1" dirty="0">
-                <a:effectLst>
-                  <a:outerShdw blurRad="38100" dist="38100" dir="2700000" algn="tl">
-                    <a:srgbClr val="000000">
-                      <a:alpha val="43137"/>
-                    </a:srgbClr>
-                  </a:outerShdw>
-                </a:effectLst>
-                <a:latin typeface="Berlin Sans FB Demi" panose="020E0802020502020306" pitchFamily="34" charset="0"/>
-              </a:rPr>
-              <a:t>204</a:t>
-            </a:r>
-            <a:r>
-              <a:rPr lang="en-IN" sz="3000" b="1" dirty="0">
-                <a:effectLst>
-                  <a:outerShdw blurRad="38100" dist="38100" dir="2700000" algn="tl">
-                    <a:srgbClr val="000000">
-                      <a:alpha val="43137"/>
-                    </a:srgbClr>
-                  </a:outerShdw>
-                </a:effectLst>
-                <a:latin typeface="DM Sans" pitchFamily="2" charset="0"/>
-              </a:rPr>
-              <a:t> </a:t>
+              <a:t>SE - 327</a:t>
             </a:r>
           </a:p>
         </p:txBody>
@@ -12418,7 +12382,7 @@
               <a:rPr lang="en-IN" sz="3500" dirty="0">
                 <a:latin typeface="Berlin Sans FB" panose="020E0602020502020306" pitchFamily="34" charset="0"/>
               </a:rPr>
-              <a:t>Results</a:t>
+              <a:t>Results &amp; Testing</a:t>
             </a:r>
           </a:p>
         </p:txBody>
@@ -25089,7 +25053,7 @@
         </p:nvSpPr>
         <p:spPr>
           <a:xfrm rot="-5400000">
-            <a:off x="4000500" y="-3886200"/>
+            <a:off x="4000500" y="-3647980"/>
             <a:ext cx="10287000" cy="18288000"/>
           </a:xfrm>
           <a:custGeom>
@@ -25126,6 +25090,13 @@
             </a:stretch>
           </a:blipFill>
         </p:spPr>
+        <p:txBody>
+          <a:bodyPr/>
+          <a:lstStyle/>
+          <a:p>
+            <a:endParaRPr lang="en-IN" dirty="0"/>
+          </a:p>
+        </p:txBody>
       </p:sp>
       <p:sp>
         <p:nvSpPr>
@@ -25476,7 +25447,7 @@
         </p:nvGrpSpPr>
         <p:grpSpPr>
           <a:xfrm>
-            <a:off x="12259419" y="4841564"/>
+            <a:off x="14514076" y="4856711"/>
             <a:ext cx="502056" cy="502056"/>
             <a:chOff x="0" y="0"/>
             <a:chExt cx="812800" cy="812800"/>
@@ -26529,15 +26500,405 @@
         </p:nvSpPr>
         <p:spPr>
           <a:xfrm>
-            <a:off x="12128277" y="5524500"/>
-            <a:ext cx="2197323" cy="679451"/>
+            <a:off x="14447500" y="5590326"/>
+            <a:ext cx="901923" cy="679451"/>
           </a:xfrm>
           <a:prstGeom prst="rect">
             <a:avLst/>
           </a:prstGeom>
         </p:spPr>
         <p:txBody>
-          <a:bodyPr lIns="0" tIns="0" rIns="0" bIns="0" rtlCol="0" anchor="t">
+          <a:bodyPr wrap="square" lIns="0" tIns="0" rIns="0" bIns="0" rtlCol="0" anchor="t">
+            <a:spAutoFit/>
+          </a:bodyPr>
+          <a:lstStyle/>
+          <a:p>
+            <a:pPr>
+              <a:lnSpc>
+                <a:spcPts val="5150"/>
+              </a:lnSpc>
+            </a:pPr>
+            <a:r>
+              <a:rPr lang="en-US" sz="5000" dirty="0">
+                <a:solidFill>
+                  <a:srgbClr val="000000"/>
+                </a:solidFill>
+                <a:latin typeface="DM Sans Bold"/>
+              </a:rPr>
+              <a:t>07</a:t>
+            </a:r>
+          </a:p>
+        </p:txBody>
+      </p:sp>
+      <p:sp>
+        <p:nvSpPr>
+          <p:cNvPr id="42" name="TextBox 41">
+            <a:extLst>
+              <a:ext uri="{FF2B5EF4-FFF2-40B4-BE49-F238E27FC236}">
+                <a16:creationId xmlns:a16="http://schemas.microsoft.com/office/drawing/2014/main" id="{761918CB-4E09-000A-0C9E-D421D2CC486E}"/>
+              </a:ext>
+            </a:extLst>
+          </p:cNvPr>
+          <p:cNvSpPr txBox="1"/>
+          <p:nvPr/>
+        </p:nvSpPr>
+        <p:spPr>
+          <a:xfrm rot="3720010">
+            <a:off x="1175710" y="7689283"/>
+            <a:ext cx="3361019" cy="477054"/>
+          </a:xfrm>
+          <a:prstGeom prst="rect">
+            <a:avLst/>
+          </a:prstGeom>
+          <a:noFill/>
+        </p:spPr>
+        <p:txBody>
+          <a:bodyPr wrap="square" rtlCol="0">
+            <a:spAutoFit/>
+          </a:bodyPr>
+          <a:lstStyle/>
+          <a:p>
+            <a:r>
+              <a:rPr lang="en-IN" sz="2500" dirty="0">
+                <a:latin typeface="Berlin Sans FB" panose="020E0602020502020306" pitchFamily="34" charset="0"/>
+              </a:rPr>
+              <a:t>Data Collection</a:t>
+            </a:r>
+          </a:p>
+        </p:txBody>
+      </p:sp>
+      <p:sp>
+        <p:nvSpPr>
+          <p:cNvPr id="44" name="TextBox 43">
+            <a:extLst>
+              <a:ext uri="{FF2B5EF4-FFF2-40B4-BE49-F238E27FC236}">
+                <a16:creationId xmlns:a16="http://schemas.microsoft.com/office/drawing/2014/main" id="{ADF9DDC4-86F4-1653-5E35-4C3F0E73C442}"/>
+              </a:ext>
+            </a:extLst>
+          </p:cNvPr>
+          <p:cNvSpPr txBox="1"/>
+          <p:nvPr/>
+        </p:nvSpPr>
+        <p:spPr>
+          <a:xfrm rot="3720010">
+            <a:off x="3187336" y="7719959"/>
+            <a:ext cx="3361019" cy="477054"/>
+          </a:xfrm>
+          <a:prstGeom prst="rect">
+            <a:avLst/>
+          </a:prstGeom>
+          <a:noFill/>
+        </p:spPr>
+        <p:txBody>
+          <a:bodyPr wrap="square" rtlCol="0">
+            <a:spAutoFit/>
+          </a:bodyPr>
+          <a:lstStyle/>
+          <a:p>
+            <a:r>
+              <a:rPr lang="en-IN" sz="2500" dirty="0">
+                <a:latin typeface="Berlin Sans FB" panose="020E0602020502020306" pitchFamily="34" charset="0"/>
+              </a:rPr>
+              <a:t>Data Preprocessing</a:t>
+            </a:r>
+          </a:p>
+        </p:txBody>
+      </p:sp>
+      <p:sp>
+        <p:nvSpPr>
+          <p:cNvPr id="45" name="TextBox 44">
+            <a:extLst>
+              <a:ext uri="{FF2B5EF4-FFF2-40B4-BE49-F238E27FC236}">
+                <a16:creationId xmlns:a16="http://schemas.microsoft.com/office/drawing/2014/main" id="{F48B5D8E-4050-535A-8BDE-A45ACC743BBD}"/>
+              </a:ext>
+            </a:extLst>
+          </p:cNvPr>
+          <p:cNvSpPr txBox="1"/>
+          <p:nvPr/>
+        </p:nvSpPr>
+        <p:spPr>
+          <a:xfrm rot="3720010">
+            <a:off x="5338845" y="7719959"/>
+            <a:ext cx="3361019" cy="477054"/>
+          </a:xfrm>
+          <a:prstGeom prst="rect">
+            <a:avLst/>
+          </a:prstGeom>
+          <a:noFill/>
+        </p:spPr>
+        <p:txBody>
+          <a:bodyPr wrap="square" rtlCol="0">
+            <a:spAutoFit/>
+          </a:bodyPr>
+          <a:lstStyle/>
+          <a:p>
+            <a:r>
+              <a:rPr lang="en-IN" sz="2500" dirty="0">
+                <a:latin typeface="Berlin Sans FB" panose="020E0602020502020306" pitchFamily="34" charset="0"/>
+              </a:rPr>
+              <a:t>Feature Selection</a:t>
+            </a:r>
+          </a:p>
+        </p:txBody>
+      </p:sp>
+      <p:sp>
+        <p:nvSpPr>
+          <p:cNvPr id="46" name="TextBox 45">
+            <a:extLst>
+              <a:ext uri="{FF2B5EF4-FFF2-40B4-BE49-F238E27FC236}">
+                <a16:creationId xmlns:a16="http://schemas.microsoft.com/office/drawing/2014/main" id="{7B4A7B6C-7A80-C951-93AE-3F10B23F9A54}"/>
+              </a:ext>
+            </a:extLst>
+          </p:cNvPr>
+          <p:cNvSpPr txBox="1"/>
+          <p:nvPr/>
+        </p:nvSpPr>
+        <p:spPr>
+          <a:xfrm rot="3720010">
+            <a:off x="7454536" y="7728787"/>
+            <a:ext cx="3361019" cy="477054"/>
+          </a:xfrm>
+          <a:prstGeom prst="rect">
+            <a:avLst/>
+          </a:prstGeom>
+          <a:noFill/>
+        </p:spPr>
+        <p:txBody>
+          <a:bodyPr wrap="square" rtlCol="0">
+            <a:spAutoFit/>
+          </a:bodyPr>
+          <a:lstStyle/>
+          <a:p>
+            <a:r>
+              <a:rPr lang="en-IN" sz="2500" dirty="0">
+                <a:latin typeface="Berlin Sans FB" panose="020E0602020502020306" pitchFamily="34" charset="0"/>
+              </a:rPr>
+              <a:t>Feature Extraction</a:t>
+            </a:r>
+          </a:p>
+        </p:txBody>
+      </p:sp>
+      <p:sp>
+        <p:nvSpPr>
+          <p:cNvPr id="47" name="TextBox 46">
+            <a:extLst>
+              <a:ext uri="{FF2B5EF4-FFF2-40B4-BE49-F238E27FC236}">
+                <a16:creationId xmlns:a16="http://schemas.microsoft.com/office/drawing/2014/main" id="{1BB7BA81-EC83-68E3-388F-B424920C9B31}"/>
+              </a:ext>
+            </a:extLst>
+          </p:cNvPr>
+          <p:cNvSpPr txBox="1"/>
+          <p:nvPr/>
+        </p:nvSpPr>
+        <p:spPr>
+          <a:xfrm rot="3720010">
+            <a:off x="9511936" y="7719959"/>
+            <a:ext cx="3361019" cy="477054"/>
+          </a:xfrm>
+          <a:prstGeom prst="rect">
+            <a:avLst/>
+          </a:prstGeom>
+          <a:noFill/>
+        </p:spPr>
+        <p:txBody>
+          <a:bodyPr wrap="square" rtlCol="0">
+            <a:spAutoFit/>
+          </a:bodyPr>
+          <a:lstStyle/>
+          <a:p>
+            <a:r>
+              <a:rPr lang="en-IN" sz="2500" dirty="0">
+                <a:latin typeface="Berlin Sans FB" panose="020E0602020502020306" pitchFamily="34" charset="0"/>
+              </a:rPr>
+              <a:t>Model Development</a:t>
+            </a:r>
+          </a:p>
+        </p:txBody>
+      </p:sp>
+      <p:sp>
+        <p:nvSpPr>
+          <p:cNvPr id="48" name="TextBox 47">
+            <a:extLst>
+              <a:ext uri="{FF2B5EF4-FFF2-40B4-BE49-F238E27FC236}">
+                <a16:creationId xmlns:a16="http://schemas.microsoft.com/office/drawing/2014/main" id="{5FB038BE-2F54-24D8-8423-DEFDC5697862}"/>
+              </a:ext>
+            </a:extLst>
+          </p:cNvPr>
+          <p:cNvSpPr txBox="1"/>
+          <p:nvPr/>
+        </p:nvSpPr>
+        <p:spPr>
+          <a:xfrm rot="3720010">
+            <a:off x="13753383" y="7778161"/>
+            <a:ext cx="3361019" cy="477054"/>
+          </a:xfrm>
+          <a:prstGeom prst="rect">
+            <a:avLst/>
+          </a:prstGeom>
+          <a:noFill/>
+        </p:spPr>
+        <p:txBody>
+          <a:bodyPr wrap="square" rtlCol="0">
+            <a:spAutoFit/>
+          </a:bodyPr>
+          <a:lstStyle/>
+          <a:p>
+            <a:r>
+              <a:rPr lang="en-IN" sz="2500" dirty="0">
+                <a:latin typeface="Berlin Sans FB" panose="020E0602020502020306" pitchFamily="34" charset="0"/>
+              </a:rPr>
+              <a:t>Testing</a:t>
+            </a:r>
+          </a:p>
+        </p:txBody>
+      </p:sp>
+      <p:grpSp>
+        <p:nvGrpSpPr>
+          <p:cNvPr id="19" name="Group 13">
+            <a:extLst>
+              <a:ext uri="{FF2B5EF4-FFF2-40B4-BE49-F238E27FC236}">
+                <a16:creationId xmlns:a16="http://schemas.microsoft.com/office/drawing/2014/main" id="{55C01FB9-873B-0379-5820-2CAAD2235F50}"/>
+              </a:ext>
+            </a:extLst>
+          </p:cNvPr>
+          <p:cNvGrpSpPr/>
+          <p:nvPr/>
+        </p:nvGrpSpPr>
+        <p:grpSpPr>
+          <a:xfrm>
+            <a:off x="12411819" y="4993964"/>
+            <a:ext cx="502056" cy="502056"/>
+            <a:chOff x="0" y="0"/>
+            <a:chExt cx="812800" cy="812800"/>
+          </a:xfrm>
+        </p:grpSpPr>
+        <p:sp>
+          <p:nvSpPr>
+            <p:cNvPr id="20" name="Freeform 14">
+              <a:extLst>
+                <a:ext uri="{FF2B5EF4-FFF2-40B4-BE49-F238E27FC236}">
+                  <a16:creationId xmlns:a16="http://schemas.microsoft.com/office/drawing/2014/main" id="{1DD2C2C8-2DB2-F6CE-E22A-2335B13A0F15}"/>
+                </a:ext>
+              </a:extLst>
+            </p:cNvPr>
+            <p:cNvSpPr/>
+            <p:nvPr/>
+          </p:nvSpPr>
+          <p:spPr>
+            <a:xfrm>
+              <a:off x="0" y="0"/>
+              <a:ext cx="812800" cy="812800"/>
+            </a:xfrm>
+            <a:custGeom>
+              <a:avLst/>
+              <a:gdLst/>
+              <a:ahLst/>
+              <a:cxnLst/>
+              <a:rect l="l" t="t" r="r" b="b"/>
+              <a:pathLst>
+                <a:path w="812800" h="812800">
+                  <a:moveTo>
+                    <a:pt x="406400" y="0"/>
+                  </a:moveTo>
+                  <a:lnTo>
+                    <a:pt x="535715" y="277085"/>
+                  </a:lnTo>
+                  <a:lnTo>
+                    <a:pt x="812800" y="406400"/>
+                  </a:lnTo>
+                  <a:lnTo>
+                    <a:pt x="535715" y="535715"/>
+                  </a:lnTo>
+                  <a:lnTo>
+                    <a:pt x="406400" y="812800"/>
+                  </a:lnTo>
+                  <a:lnTo>
+                    <a:pt x="277085" y="535715"/>
+                  </a:lnTo>
+                  <a:lnTo>
+                    <a:pt x="0" y="406400"/>
+                  </a:lnTo>
+                  <a:lnTo>
+                    <a:pt x="277085" y="277085"/>
+                  </a:lnTo>
+                  <a:lnTo>
+                    <a:pt x="406400" y="0"/>
+                  </a:lnTo>
+                  <a:close/>
+                </a:path>
+              </a:pathLst>
+            </a:custGeom>
+            <a:solidFill>
+              <a:srgbClr val="000000"/>
+            </a:solidFill>
+            <a:ln cap="sq">
+              <a:noFill/>
+              <a:prstDash val="solid"/>
+              <a:miter/>
+            </a:ln>
+          </p:spPr>
+        </p:sp>
+        <p:sp>
+          <p:nvSpPr>
+            <p:cNvPr id="22" name="TextBox 15">
+              <a:extLst>
+                <a:ext uri="{FF2B5EF4-FFF2-40B4-BE49-F238E27FC236}">
+                  <a16:creationId xmlns:a16="http://schemas.microsoft.com/office/drawing/2014/main" id="{3F20445F-3769-8F18-1529-A032AD143FBA}"/>
+                </a:ext>
+              </a:extLst>
+            </p:cNvPr>
+            <p:cNvSpPr txBox="1"/>
+            <p:nvPr/>
+          </p:nvSpPr>
+          <p:spPr>
+            <a:xfrm>
+              <a:off x="190500" y="219075"/>
+              <a:ext cx="431800" cy="403225"/>
+            </a:xfrm>
+            <a:prstGeom prst="rect">
+              <a:avLst/>
+            </a:prstGeom>
+          </p:spPr>
+          <p:txBody>
+            <a:bodyPr lIns="50800" tIns="50800" rIns="50800" bIns="50800" rtlCol="0" anchor="ctr"/>
+            <a:lstStyle/>
+            <a:p>
+              <a:pPr marL="0" lvl="0" indent="0" algn="ctr">
+                <a:lnSpc>
+                  <a:spcPts val="2266"/>
+                </a:lnSpc>
+                <a:spcBef>
+                  <a:spcPct val="0"/>
+                </a:spcBef>
+              </a:pPr>
+              <a:endParaRPr/>
+            </a:p>
+          </p:txBody>
+        </p:sp>
+      </p:grpSp>
+      <p:sp>
+        <p:nvSpPr>
+          <p:cNvPr id="55" name="TextBox 18">
+            <a:extLst>
+              <a:ext uri="{FF2B5EF4-FFF2-40B4-BE49-F238E27FC236}">
+                <a16:creationId xmlns:a16="http://schemas.microsoft.com/office/drawing/2014/main" id="{3613306B-757B-5B79-9275-086CC4D98C35}"/>
+              </a:ext>
+            </a:extLst>
+          </p:cNvPr>
+          <p:cNvSpPr txBox="1"/>
+          <p:nvPr/>
+        </p:nvSpPr>
+        <p:spPr>
+          <a:xfrm>
+            <a:off x="12279937" y="5616041"/>
+            <a:ext cx="901923" cy="679451"/>
+          </a:xfrm>
+          <a:prstGeom prst="rect">
+            <a:avLst/>
+          </a:prstGeom>
+        </p:spPr>
+        <p:txBody>
+          <a:bodyPr wrap="square" lIns="0" tIns="0" rIns="0" bIns="0" rtlCol="0" anchor="t">
             <a:spAutoFit/>
           </a:bodyPr>
           <a:lstStyle/>
@@ -26561,10 +26922,10 @@
       </p:sp>
       <p:sp>
         <p:nvSpPr>
-          <p:cNvPr id="42" name="TextBox 41">
+          <p:cNvPr id="58" name="TextBox 57">
             <a:extLst>
               <a:ext uri="{FF2B5EF4-FFF2-40B4-BE49-F238E27FC236}">
-                <a16:creationId xmlns:a16="http://schemas.microsoft.com/office/drawing/2014/main" id="{761918CB-4E09-000A-0C9E-D421D2CC486E}"/>
+                <a16:creationId xmlns:a16="http://schemas.microsoft.com/office/drawing/2014/main" id="{58BE5F4E-008F-86A0-F15F-B09820A33DD0}"/>
               </a:ext>
             </a:extLst>
           </p:cNvPr>
@@ -26573,192 +26934,7 @@
         </p:nvSpPr>
         <p:spPr>
           <a:xfrm rot="3720010">
-            <a:off x="1175710" y="7689283"/>
-            <a:ext cx="3361019" cy="477054"/>
-          </a:xfrm>
-          <a:prstGeom prst="rect">
-            <a:avLst/>
-          </a:prstGeom>
-          <a:noFill/>
-        </p:spPr>
-        <p:txBody>
-          <a:bodyPr wrap="square" rtlCol="0">
-            <a:spAutoFit/>
-          </a:bodyPr>
-          <a:lstStyle/>
-          <a:p>
-            <a:r>
-              <a:rPr lang="en-IN" sz="2500" dirty="0">
-                <a:latin typeface="Berlin Sans FB" panose="020E0602020502020306" pitchFamily="34" charset="0"/>
-              </a:rPr>
-              <a:t>Data Collection</a:t>
-            </a:r>
-          </a:p>
-        </p:txBody>
-      </p:sp>
-      <p:sp>
-        <p:nvSpPr>
-          <p:cNvPr id="44" name="TextBox 43">
-            <a:extLst>
-              <a:ext uri="{FF2B5EF4-FFF2-40B4-BE49-F238E27FC236}">
-                <a16:creationId xmlns:a16="http://schemas.microsoft.com/office/drawing/2014/main" id="{ADF9DDC4-86F4-1653-5E35-4C3F0E73C442}"/>
-              </a:ext>
-            </a:extLst>
-          </p:cNvPr>
-          <p:cNvSpPr txBox="1"/>
-          <p:nvPr/>
-        </p:nvSpPr>
-        <p:spPr>
-          <a:xfrm rot="3720010">
-            <a:off x="3187336" y="7719959"/>
-            <a:ext cx="3361019" cy="477054"/>
-          </a:xfrm>
-          <a:prstGeom prst="rect">
-            <a:avLst/>
-          </a:prstGeom>
-          <a:noFill/>
-        </p:spPr>
-        <p:txBody>
-          <a:bodyPr wrap="square" rtlCol="0">
-            <a:spAutoFit/>
-          </a:bodyPr>
-          <a:lstStyle/>
-          <a:p>
-            <a:r>
-              <a:rPr lang="en-IN" sz="2500" dirty="0">
-                <a:latin typeface="Berlin Sans FB" panose="020E0602020502020306" pitchFamily="34" charset="0"/>
-              </a:rPr>
-              <a:t>Data Preprocessing</a:t>
-            </a:r>
-          </a:p>
-        </p:txBody>
-      </p:sp>
-      <p:sp>
-        <p:nvSpPr>
-          <p:cNvPr id="45" name="TextBox 44">
-            <a:extLst>
-              <a:ext uri="{FF2B5EF4-FFF2-40B4-BE49-F238E27FC236}">
-                <a16:creationId xmlns:a16="http://schemas.microsoft.com/office/drawing/2014/main" id="{F48B5D8E-4050-535A-8BDE-A45ACC743BBD}"/>
-              </a:ext>
-            </a:extLst>
-          </p:cNvPr>
-          <p:cNvSpPr txBox="1"/>
-          <p:nvPr/>
-        </p:nvSpPr>
-        <p:spPr>
-          <a:xfrm rot="3720010">
-            <a:off x="5338845" y="7719959"/>
-            <a:ext cx="3361019" cy="477054"/>
-          </a:xfrm>
-          <a:prstGeom prst="rect">
-            <a:avLst/>
-          </a:prstGeom>
-          <a:noFill/>
-        </p:spPr>
-        <p:txBody>
-          <a:bodyPr wrap="square" rtlCol="0">
-            <a:spAutoFit/>
-          </a:bodyPr>
-          <a:lstStyle/>
-          <a:p>
-            <a:r>
-              <a:rPr lang="en-IN" sz="2500" dirty="0">
-                <a:latin typeface="Berlin Sans FB" panose="020E0602020502020306" pitchFamily="34" charset="0"/>
-              </a:rPr>
-              <a:t>Feature Selection</a:t>
-            </a:r>
-          </a:p>
-        </p:txBody>
-      </p:sp>
-      <p:sp>
-        <p:nvSpPr>
-          <p:cNvPr id="46" name="TextBox 45">
-            <a:extLst>
-              <a:ext uri="{FF2B5EF4-FFF2-40B4-BE49-F238E27FC236}">
-                <a16:creationId xmlns:a16="http://schemas.microsoft.com/office/drawing/2014/main" id="{7B4A7B6C-7A80-C951-93AE-3F10B23F9A54}"/>
-              </a:ext>
-            </a:extLst>
-          </p:cNvPr>
-          <p:cNvSpPr txBox="1"/>
-          <p:nvPr/>
-        </p:nvSpPr>
-        <p:spPr>
-          <a:xfrm rot="3720010">
-            <a:off x="7454536" y="7728787"/>
-            <a:ext cx="3361019" cy="477054"/>
-          </a:xfrm>
-          <a:prstGeom prst="rect">
-            <a:avLst/>
-          </a:prstGeom>
-          <a:noFill/>
-        </p:spPr>
-        <p:txBody>
-          <a:bodyPr wrap="square" rtlCol="0">
-            <a:spAutoFit/>
-          </a:bodyPr>
-          <a:lstStyle/>
-          <a:p>
-            <a:r>
-              <a:rPr lang="en-IN" sz="2500" dirty="0">
-                <a:latin typeface="Berlin Sans FB" panose="020E0602020502020306" pitchFamily="34" charset="0"/>
-              </a:rPr>
-              <a:t>Feature Extraction</a:t>
-            </a:r>
-          </a:p>
-        </p:txBody>
-      </p:sp>
-      <p:sp>
-        <p:nvSpPr>
-          <p:cNvPr id="47" name="TextBox 46">
-            <a:extLst>
-              <a:ext uri="{FF2B5EF4-FFF2-40B4-BE49-F238E27FC236}">
-                <a16:creationId xmlns:a16="http://schemas.microsoft.com/office/drawing/2014/main" id="{1BB7BA81-EC83-68E3-388F-B424920C9B31}"/>
-              </a:ext>
-            </a:extLst>
-          </p:cNvPr>
-          <p:cNvSpPr txBox="1"/>
-          <p:nvPr/>
-        </p:nvSpPr>
-        <p:spPr>
-          <a:xfrm rot="3720010">
-            <a:off x="9511936" y="7719959"/>
-            <a:ext cx="3361019" cy="477054"/>
-          </a:xfrm>
-          <a:prstGeom prst="rect">
-            <a:avLst/>
-          </a:prstGeom>
-          <a:noFill/>
-        </p:spPr>
-        <p:txBody>
-          <a:bodyPr wrap="square" rtlCol="0">
-            <a:spAutoFit/>
-          </a:bodyPr>
-          <a:lstStyle/>
-          <a:p>
-            <a:r>
-              <a:rPr lang="en-IN" sz="2500" dirty="0">
-                <a:latin typeface="Berlin Sans FB" panose="020E0602020502020306" pitchFamily="34" charset="0"/>
-              </a:rPr>
-              <a:t>Model Development</a:t>
-            </a:r>
-          </a:p>
-        </p:txBody>
-      </p:sp>
-      <p:sp>
-        <p:nvSpPr>
-          <p:cNvPr id="48" name="TextBox 47">
-            <a:extLst>
-              <a:ext uri="{FF2B5EF4-FFF2-40B4-BE49-F238E27FC236}">
-                <a16:creationId xmlns:a16="http://schemas.microsoft.com/office/drawing/2014/main" id="{5FB038BE-2F54-24D8-8423-DEFDC5697862}"/>
-              </a:ext>
-            </a:extLst>
-          </p:cNvPr>
-          <p:cNvSpPr txBox="1"/>
-          <p:nvPr/>
-        </p:nvSpPr>
-        <p:spPr>
-          <a:xfrm rot="3720010">
-            <a:off x="11721736" y="7643759"/>
+            <a:off x="11696135" y="7557871"/>
             <a:ext cx="3361019" cy="477054"/>
           </a:xfrm>
           <a:prstGeom prst="rect">
